--- a/MOBILE/Lecture3/CSS3中的3D动画.pptx
+++ b/MOBILE/Lecture3/CSS3中的3D动画.pptx
@@ -11,6 +11,8 @@
     <p:sldId id="256" r:id="rId3"/>
     <p:sldId id="268" r:id="rId4"/>
     <p:sldId id="269" r:id="rId6"/>
+    <p:sldId id="270" r:id="rId7"/>
+    <p:sldId id="271" r:id="rId8"/>
   </p:sldIdLst>
   <p:sldSz cx="12192000" cy="6858000"/>
   <p:notesSz cx="7103745" cy="10234295"/>
@@ -504,6 +506,94 @@
 </file>
 
 <file path=ppt/notesSlides/notesSlide2.xml><?xml version="1.0" encoding="utf-8"?>
+<p:notes xmlns:a="http://schemas.openxmlformats.org/drawingml/2006/main" xmlns:r="http://schemas.openxmlformats.org/officeDocument/2006/relationships" xmlns:p="http://schemas.openxmlformats.org/presentationml/2006/main">
+  <p:cSld>
+    <p:spTree>
+      <p:nvGrpSpPr>
+        <p:cNvPr id="1" name=""/>
+        <p:cNvGrpSpPr/>
+        <p:nvPr/>
+      </p:nvGrpSpPr>
+      <p:grpSpPr/>
+      <p:sp>
+        <p:nvSpPr>
+          <p:cNvPr id="2" name="幻灯片图像占位符 1"/>
+          <p:cNvSpPr/>
+          <p:nvPr>
+            <p:ph type="sldImg" idx="2"/>
+          </p:nvPr>
+        </p:nvSpPr>
+        <p:spPr/>
+      </p:sp>
+      <p:sp>
+        <p:nvSpPr>
+          <p:cNvPr id="3" name="文本占位符 2"/>
+          <p:cNvSpPr/>
+          <p:nvPr>
+            <p:ph type="body" idx="3"/>
+          </p:nvPr>
+        </p:nvSpPr>
+        <p:spPr/>
+        <p:txBody>
+          <a:bodyPr/>
+          <a:p>
+            <a:endParaRPr lang="zh-CN" altLang="en-US"/>
+          </a:p>
+        </p:txBody>
+      </p:sp>
+    </p:spTree>
+  </p:cSld>
+  <p:clrMapOvr>
+    <a:masterClrMapping/>
+  </p:clrMapOvr>
+</p:notes>
+</file>
+
+<file path=ppt/notesSlides/notesSlide3.xml><?xml version="1.0" encoding="utf-8"?>
+<p:notes xmlns:a="http://schemas.openxmlformats.org/drawingml/2006/main" xmlns:r="http://schemas.openxmlformats.org/officeDocument/2006/relationships" xmlns:p="http://schemas.openxmlformats.org/presentationml/2006/main">
+  <p:cSld>
+    <p:spTree>
+      <p:nvGrpSpPr>
+        <p:cNvPr id="1" name=""/>
+        <p:cNvGrpSpPr/>
+        <p:nvPr/>
+      </p:nvGrpSpPr>
+      <p:grpSpPr/>
+      <p:sp>
+        <p:nvSpPr>
+          <p:cNvPr id="2" name="幻灯片图像占位符 1"/>
+          <p:cNvSpPr/>
+          <p:nvPr>
+            <p:ph type="sldImg" idx="2"/>
+          </p:nvPr>
+        </p:nvSpPr>
+        <p:spPr/>
+      </p:sp>
+      <p:sp>
+        <p:nvSpPr>
+          <p:cNvPr id="3" name="文本占位符 2"/>
+          <p:cNvSpPr/>
+          <p:nvPr>
+            <p:ph type="body" idx="3"/>
+          </p:nvPr>
+        </p:nvSpPr>
+        <p:spPr/>
+        <p:txBody>
+          <a:bodyPr/>
+          <a:p>
+            <a:endParaRPr lang="zh-CN" altLang="en-US"/>
+          </a:p>
+        </p:txBody>
+      </p:sp>
+    </p:spTree>
+  </p:cSld>
+  <p:clrMapOvr>
+    <a:masterClrMapping/>
+  </p:clrMapOvr>
+</p:notes>
+</file>
+
+<file path=ppt/notesSlides/notesSlide4.xml><?xml version="1.0" encoding="utf-8"?>
 <p:notes xmlns:a="http://schemas.openxmlformats.org/drawingml/2006/main" xmlns:r="http://schemas.openxmlformats.org/officeDocument/2006/relationships" xmlns:p="http://schemas.openxmlformats.org/presentationml/2006/main">
   <p:cSld>
     <p:spTree>
@@ -3606,7 +3696,7 @@
           <a:bodyPr/>
           <a:p>
             <a:r>
-              <a:rPr lang="en-US" sz="3200">
+              <a:rPr lang="en-US">
                 <a:latin typeface="仿宋" panose="02010609060101010101" charset="-122"/>
                 <a:ea typeface="仿宋" panose="02010609060101010101" charset="-122"/>
                 <a:sym typeface="+mn-ea"/>
@@ -3614,7 +3704,7 @@
               <a:t>CSS3</a:t>
             </a:r>
             <a:r>
-              <a:rPr lang="zh-CN" altLang="en-US" sz="3200">
+              <a:rPr lang="zh-CN" altLang="en-US">
                 <a:latin typeface="仿宋" panose="02010609060101010101" charset="-122"/>
                 <a:ea typeface="仿宋" panose="02010609060101010101" charset="-122"/>
                 <a:sym typeface="+mn-ea"/>
@@ -3622,7 +3712,7 @@
               <a:t>中的</a:t>
             </a:r>
             <a:r>
-              <a:rPr lang="en-US" altLang="zh-CN" sz="3200">
+              <a:rPr lang="en-US" altLang="zh-CN">
                 <a:latin typeface="仿宋" panose="02010609060101010101" charset="-122"/>
                 <a:ea typeface="仿宋" panose="02010609060101010101" charset="-122"/>
                 <a:sym typeface="+mn-ea"/>
@@ -3630,7 +3720,7 @@
               <a:t>3D</a:t>
             </a:r>
             <a:r>
-              <a:rPr lang="zh-CN" altLang="en-US" sz="3200">
+              <a:rPr lang="zh-CN" altLang="en-US">
                 <a:latin typeface="仿宋" panose="02010609060101010101" charset="-122"/>
                 <a:ea typeface="仿宋" panose="02010609060101010101" charset="-122"/>
                 <a:sym typeface="+mn-ea"/>
@@ -3645,7 +3735,7 @@
           <a:p>
             <a:pPr marL="0" indent="0" fontAlgn="auto">
               <a:lnSpc>
-                <a:spcPct val="130000"/>
+                <a:spcPct val="150000"/>
               </a:lnSpc>
               <a:buNone/>
             </a:pPr>
@@ -3654,16 +3744,23 @@
                 <a:latin typeface="仿宋" panose="02010609060101010101" charset="-122"/>
                 <a:ea typeface="仿宋" panose="02010609060101010101" charset="-122"/>
               </a:rPr>
-              <a:t>  </a:t>
-            </a:r>
-            <a:r>
-              <a:rPr lang="en-US" altLang="zh-CN">
+              <a:t> </a:t>
+            </a:r>
+            <a:r>
+              <a:rPr lang="zh-CN" altLang="en-US" sz="2400">
+                <a:latin typeface="仿宋" panose="02010609060101010101" charset="-122"/>
+                <a:ea typeface="仿宋" panose="02010609060101010101" charset="-122"/>
+              </a:rPr>
+              <a:t> </a:t>
+            </a:r>
+            <a:r>
+              <a:rPr lang="en-US" altLang="zh-CN" sz="2400">
                 <a:latin typeface="仿宋" panose="02010609060101010101" charset="-122"/>
                 <a:ea typeface="仿宋" panose="02010609060101010101" charset="-122"/>
               </a:rPr>
               <a:t>- transform</a:t>
             </a:r>
-            <a:endParaRPr lang="en-US" altLang="zh-CN">
+            <a:endParaRPr lang="en-US" altLang="zh-CN" sz="2400">
               <a:latin typeface="仿宋" panose="02010609060101010101" charset="-122"/>
               <a:ea typeface="仿宋" panose="02010609060101010101" charset="-122"/>
             </a:endParaRPr>
@@ -3671,102 +3768,39 @@
           <a:p>
             <a:pPr marL="0" indent="0" fontAlgn="auto">
               <a:lnSpc>
-                <a:spcPct val="130000"/>
+                <a:spcPct val="150000"/>
               </a:lnSpc>
               <a:buNone/>
             </a:pPr>
             <a:r>
-              <a:rPr lang="en-US" altLang="zh-CN">
+              <a:rPr lang="en-US" altLang="zh-CN" sz="2400">
                 <a:latin typeface="仿宋" panose="02010609060101010101" charset="-122"/>
                 <a:ea typeface="仿宋" panose="02010609060101010101" charset="-122"/>
               </a:rPr>
               <a:t>    + </a:t>
             </a:r>
             <a:r>
-              <a:rPr lang="zh-CN" altLang="en-US">
+              <a:rPr lang="zh-CN" altLang="en-US" sz="2400">
                 <a:latin typeface="仿宋" panose="02010609060101010101" charset="-122"/>
                 <a:ea typeface="仿宋" panose="02010609060101010101" charset="-122"/>
               </a:rPr>
               <a:t>传统的</a:t>
             </a:r>
             <a:r>
-              <a:rPr lang="en-US" altLang="zh-CN">
+              <a:rPr lang="en-US" altLang="zh-CN" sz="2400">
                 <a:latin typeface="仿宋" panose="02010609060101010101" charset="-122"/>
                 <a:ea typeface="仿宋" panose="02010609060101010101" charset="-122"/>
               </a:rPr>
               <a:t>2D</a:t>
             </a:r>
             <a:r>
-              <a:rPr lang="zh-CN" altLang="en-US">
+              <a:rPr lang="zh-CN" altLang="en-US" sz="2400">
                 <a:latin typeface="仿宋" panose="02010609060101010101" charset="-122"/>
                 <a:ea typeface="仿宋" panose="02010609060101010101" charset="-122"/>
               </a:rPr>
               <a:t>变形效果 </a:t>
             </a:r>
-            <a:r>
-              <a:rPr lang="en-US" altLang="zh-CN">
-                <a:latin typeface="仿宋" panose="02010609060101010101" charset="-122"/>
-                <a:ea typeface="仿宋" panose="02010609060101010101" charset="-122"/>
-              </a:rPr>
-              <a:t>: translate</a:t>
-            </a:r>
-            <a:r>
-              <a:rPr lang="zh-CN" altLang="en-US">
-                <a:latin typeface="仿宋" panose="02010609060101010101" charset="-122"/>
-                <a:ea typeface="仿宋" panose="02010609060101010101" charset="-122"/>
-              </a:rPr>
-              <a:t>、</a:t>
-            </a:r>
-            <a:r>
-              <a:rPr lang="en-US" altLang="zh-CN">
-                <a:latin typeface="仿宋" panose="02010609060101010101" charset="-122"/>
-                <a:ea typeface="仿宋" panose="02010609060101010101" charset="-122"/>
-              </a:rPr>
-              <a:t>scale</a:t>
-            </a:r>
-            <a:r>
-              <a:rPr lang="zh-CN" altLang="en-US">
-                <a:latin typeface="仿宋" panose="02010609060101010101" charset="-122"/>
-                <a:ea typeface="仿宋" panose="02010609060101010101" charset="-122"/>
-              </a:rPr>
-              <a:t>、</a:t>
-            </a:r>
-            <a:r>
-              <a:rPr lang="en-US" altLang="zh-CN">
-                <a:latin typeface="仿宋" panose="02010609060101010101" charset="-122"/>
-                <a:ea typeface="仿宋" panose="02010609060101010101" charset="-122"/>
-              </a:rPr>
-              <a:t>rotate</a:t>
-            </a:r>
-            <a:r>
-              <a:rPr lang="zh-CN" altLang="en-US">
-                <a:latin typeface="仿宋" panose="02010609060101010101" charset="-122"/>
-                <a:ea typeface="仿宋" panose="02010609060101010101" charset="-122"/>
-              </a:rPr>
-              <a:t>、</a:t>
-            </a:r>
-            <a:r>
-              <a:rPr lang="en-US" altLang="zh-CN">
-                <a:latin typeface="仿宋" panose="02010609060101010101" charset="-122"/>
-                <a:ea typeface="仿宋" panose="02010609060101010101" charset="-122"/>
-              </a:rPr>
-              <a:t>skew</a:t>
-            </a:r>
-            <a:r>
-              <a:rPr lang="zh-CN" altLang="en-US">
-                <a:latin typeface="仿宋" panose="02010609060101010101" charset="-122"/>
-                <a:ea typeface="仿宋" panose="02010609060101010101" charset="-122"/>
-              </a:rPr>
-              <a:t>、matrix</a:t>
-            </a:r>
-            <a:r>
-              <a:rPr lang="en-US" altLang="zh-CN">
-                <a:latin typeface="仿宋" panose="02010609060101010101" charset="-122"/>
-                <a:ea typeface="仿宋" panose="02010609060101010101" charset="-122"/>
-              </a:rPr>
-              <a:t>...</a:t>
-            </a:r>
-            <a:endParaRPr lang="en-US" altLang="zh-CN">
+            <a:endParaRPr lang="zh-CN" altLang="en-US" sz="2400">
               <a:latin typeface="仿宋" panose="02010609060101010101" charset="-122"/>
               <a:ea typeface="仿宋" panose="02010609060101010101" charset="-122"/>
             </a:endParaRPr>
@@ -3774,18 +3808,81 @@
           <a:p>
             <a:pPr marL="0" indent="0" fontAlgn="auto">
               <a:lnSpc>
-                <a:spcPct val="130000"/>
+                <a:spcPct val="150000"/>
               </a:lnSpc>
               <a:buNone/>
             </a:pPr>
             <a:r>
-              <a:rPr lang="en-US" altLang="zh-CN">
-                <a:latin typeface="仿宋" panose="02010609060101010101" charset="-122"/>
-                <a:ea typeface="仿宋" panose="02010609060101010101" charset="-122"/>
-              </a:rPr>
-              <a:t>    + transform-style : 如何在3D空间中呈现被嵌套的元素</a:t>
-            </a:r>
-            <a:endParaRPr lang="en-US" altLang="zh-CN">
+              <a:rPr lang="zh-CN" altLang="en-US" sz="2400">
+                <a:latin typeface="仿宋" panose="02010609060101010101" charset="-122"/>
+                <a:ea typeface="仿宋" panose="02010609060101010101" charset="-122"/>
+              </a:rPr>
+              <a:t>      </a:t>
+            </a:r>
+            <a:r>
+              <a:rPr lang="en-US" altLang="zh-CN" sz="2400">
+                <a:latin typeface="仿宋" panose="02010609060101010101" charset="-122"/>
+                <a:ea typeface="仿宋" panose="02010609060101010101" charset="-122"/>
+              </a:rPr>
+              <a:t>translate</a:t>
+            </a:r>
+            <a:r>
+              <a:rPr lang="zh-CN" altLang="en-US" sz="2400">
+                <a:latin typeface="仿宋" panose="02010609060101010101" charset="-122"/>
+                <a:ea typeface="仿宋" panose="02010609060101010101" charset="-122"/>
+              </a:rPr>
+              <a:t>、</a:t>
+            </a:r>
+            <a:r>
+              <a:rPr lang="en-US" altLang="zh-CN" sz="2400">
+                <a:latin typeface="仿宋" panose="02010609060101010101" charset="-122"/>
+                <a:ea typeface="仿宋" panose="02010609060101010101" charset="-122"/>
+              </a:rPr>
+              <a:t>scale</a:t>
+            </a:r>
+            <a:r>
+              <a:rPr lang="zh-CN" altLang="en-US" sz="2400">
+                <a:latin typeface="仿宋" panose="02010609060101010101" charset="-122"/>
+                <a:ea typeface="仿宋" panose="02010609060101010101" charset="-122"/>
+              </a:rPr>
+              <a:t>、</a:t>
+            </a:r>
+            <a:r>
+              <a:rPr lang="en-US" altLang="zh-CN" sz="2400">
+                <a:latin typeface="仿宋" panose="02010609060101010101" charset="-122"/>
+                <a:ea typeface="仿宋" panose="02010609060101010101" charset="-122"/>
+              </a:rPr>
+              <a:t>rotate</a:t>
+            </a:r>
+            <a:r>
+              <a:rPr lang="zh-CN" altLang="en-US" sz="2400">
+                <a:latin typeface="仿宋" panose="02010609060101010101" charset="-122"/>
+                <a:ea typeface="仿宋" panose="02010609060101010101" charset="-122"/>
+              </a:rPr>
+              <a:t>、</a:t>
+            </a:r>
+            <a:r>
+              <a:rPr lang="en-US" altLang="zh-CN" sz="2400">
+                <a:latin typeface="仿宋" panose="02010609060101010101" charset="-122"/>
+                <a:ea typeface="仿宋" panose="02010609060101010101" charset="-122"/>
+              </a:rPr>
+              <a:t>skew</a:t>
+            </a:r>
+            <a:r>
+              <a:rPr lang="zh-CN" altLang="en-US" sz="2400">
+                <a:latin typeface="仿宋" panose="02010609060101010101" charset="-122"/>
+                <a:ea typeface="仿宋" panose="02010609060101010101" charset="-122"/>
+              </a:rPr>
+              <a:t>、matrix</a:t>
+            </a:r>
+            <a:r>
+              <a:rPr lang="en-US" altLang="zh-CN" sz="2400">
+                <a:latin typeface="仿宋" panose="02010609060101010101" charset="-122"/>
+                <a:ea typeface="仿宋" panose="02010609060101010101" charset="-122"/>
+              </a:rPr>
+              <a:t>...</a:t>
+            </a:r>
+            <a:endParaRPr lang="en-US" altLang="zh-CN" sz="2400">
               <a:latin typeface="仿宋" panose="02010609060101010101" charset="-122"/>
               <a:ea typeface="仿宋" panose="02010609060101010101" charset="-122"/>
             </a:endParaRPr>
@@ -3793,25 +3890,106 @@
           <a:p>
             <a:pPr marL="0" indent="0" fontAlgn="auto">
               <a:lnSpc>
-                <a:spcPct val="130000"/>
+                <a:spcPct val="150000"/>
               </a:lnSpc>
               <a:buNone/>
             </a:pPr>
             <a:r>
-              <a:rPr lang="zh-CN" altLang="en-US">
-                <a:latin typeface="Adobe 仿宋 Std R" panose="02020400000000000000" charset="-122"/>
-                <a:ea typeface="Adobe 仿宋 Std R" panose="02020400000000000000" charset="-122"/>
-              </a:rPr>
-              <a:t>   </a:t>
+              <a:rPr lang="en-US" altLang="zh-CN" sz="2400">
+                <a:latin typeface="仿宋" panose="02010609060101010101" charset="-122"/>
+                <a:ea typeface="仿宋" panose="02010609060101010101" charset="-122"/>
+              </a:rPr>
+              <a:t>    + transform-style : 如何在3D空间中呈现被嵌套的元素</a:t>
+            </a:r>
+            <a:endParaRPr lang="zh-CN" altLang="en-US" sz="2400">
+              <a:latin typeface="仿宋" panose="02010609060101010101" charset="-122"/>
+              <a:ea typeface="仿宋" panose="02010609060101010101" charset="-122"/>
+            </a:endParaRPr>
+          </a:p>
+          <a:p>
+            <a:pPr marL="0" indent="0" fontAlgn="auto">
+              <a:lnSpc>
+                <a:spcPct val="150000"/>
+              </a:lnSpc>
+              <a:buNone/>
+            </a:pPr>
+            <a:r>
+              <a:rPr lang="en-US" altLang="zh-CN" sz="2400">
+                <a:latin typeface="仿宋" panose="02010609060101010101" charset="-122"/>
+                <a:ea typeface="仿宋" panose="02010609060101010101" charset="-122"/>
+              </a:rPr>
+              <a:t>      flat</a:t>
             </a:r>
             <a:r>
               <a:rPr lang="zh-CN" altLang="en-US" sz="2400">
-                <a:latin typeface="Adobe 仿宋 Std R" panose="02020400000000000000" charset="-122"/>
-                <a:ea typeface="Adobe 仿宋 Std R" panose="02020400000000000000" charset="-122"/>
-              </a:rPr>
-              <a:t>  </a:t>
-            </a:r>
-            <a:endParaRPr lang="zh-CN" altLang="en-US">
+                <a:latin typeface="仿宋" panose="02010609060101010101" charset="-122"/>
+                <a:ea typeface="仿宋" panose="02010609060101010101" charset="-122"/>
+              </a:rPr>
+              <a:t>：子元素将不保留其3D位置</a:t>
+            </a:r>
+            <a:r>
+              <a:rPr lang="en-US" altLang="zh-CN" sz="2400">
+                <a:latin typeface="仿宋" panose="02010609060101010101" charset="-122"/>
+                <a:ea typeface="仿宋" panose="02010609060101010101" charset="-122"/>
+              </a:rPr>
+              <a:t>(</a:t>
+            </a:r>
+            <a:r>
+              <a:rPr lang="zh-CN" altLang="en-US" sz="2400">
+                <a:latin typeface="仿宋" panose="02010609060101010101" charset="-122"/>
+                <a:ea typeface="仿宋" panose="02010609060101010101" charset="-122"/>
+              </a:rPr>
+              <a:t>默认值</a:t>
+            </a:r>
+            <a:r>
+              <a:rPr lang="en-US" altLang="zh-CN" sz="2400">
+                <a:latin typeface="仿宋" panose="02010609060101010101" charset="-122"/>
+                <a:ea typeface="仿宋" panose="02010609060101010101" charset="-122"/>
+              </a:rPr>
+              <a:t>)</a:t>
+            </a:r>
+            <a:endParaRPr lang="en-US" altLang="zh-CN" sz="2400">
+              <a:latin typeface="仿宋" panose="02010609060101010101" charset="-122"/>
+              <a:ea typeface="仿宋" panose="02010609060101010101" charset="-122"/>
+            </a:endParaRPr>
+          </a:p>
+          <a:p>
+            <a:pPr marL="0" indent="0" fontAlgn="auto">
+              <a:lnSpc>
+                <a:spcPct val="150000"/>
+              </a:lnSpc>
+              <a:buNone/>
+            </a:pPr>
+            <a:r>
+              <a:rPr lang="zh-CN" altLang="en-US" sz="2400">
+                <a:latin typeface="仿宋" panose="02010609060101010101" charset="-122"/>
+                <a:ea typeface="仿宋" panose="02010609060101010101" charset="-122"/>
+              </a:rPr>
+              <a:t>      </a:t>
+            </a:r>
+            <a:r>
+              <a:rPr lang="en-US" altLang="zh-CN" sz="2400">
+                <a:latin typeface="仿宋" panose="02010609060101010101" charset="-122"/>
+                <a:ea typeface="仿宋" panose="02010609060101010101" charset="-122"/>
+              </a:rPr>
+              <a:t>preserve-3d</a:t>
+            </a:r>
+            <a:r>
+              <a:rPr lang="zh-CN" altLang="en-US" sz="2400">
+                <a:latin typeface="仿宋" panose="02010609060101010101" charset="-122"/>
+                <a:ea typeface="仿宋" panose="02010609060101010101" charset="-122"/>
+              </a:rPr>
+              <a:t>：子元素</a:t>
+            </a:r>
+            <a:r>
+              <a:rPr lang="zh-CN" altLang="en-US" sz="2400">
+                <a:latin typeface="仿宋" panose="02010609060101010101" charset="-122"/>
+                <a:ea typeface="仿宋" panose="02010609060101010101" charset="-122"/>
+                <a:sym typeface="+mn-ea"/>
+              </a:rPr>
+              <a:t>将保留其3D位置</a:t>
+            </a:r>
+            <a:endParaRPr lang="zh-CN" altLang="en-US" sz="2400">
               <a:latin typeface="Adobe 仿宋 Std R" panose="02020400000000000000" charset="-122"/>
               <a:ea typeface="Adobe 仿宋 Std R" panose="02020400000000000000" charset="-122"/>
             </a:endParaRPr>
@@ -3876,7 +4054,7 @@
       </p:sp>
       <p:pic>
         <p:nvPicPr>
-          <p:cNvPr id="5" name="图片 4"/>
+          <p:cNvPr id="6" name="图片 5"/>
           <p:cNvPicPr>
             <a:picLocks noChangeAspect="1"/>
           </p:cNvPicPr>
@@ -3890,8 +4068,834 @@
         </p:blipFill>
         <p:spPr>
           <a:xfrm>
-            <a:off x="9145905" y="2385060"/>
-            <a:ext cx="2656840" cy="2780665"/>
+            <a:off x="9393555" y="2061210"/>
+            <a:ext cx="2499360" cy="2735580"/>
+          </a:xfrm>
+          <a:prstGeom prst="rect">
+            <a:avLst/>
+          </a:prstGeom>
+        </p:spPr>
+      </p:pic>
+    </p:spTree>
+  </p:cSld>
+  <p:clrMapOvr>
+    <a:masterClrMapping/>
+  </p:clrMapOvr>
+</p:sld>
+</file>
+
+<file path=ppt/slides/slide4.xml><?xml version="1.0" encoding="utf-8"?>
+<p:sld xmlns:a="http://schemas.openxmlformats.org/drawingml/2006/main" xmlns:r="http://schemas.openxmlformats.org/officeDocument/2006/relationships" xmlns:p="http://schemas.openxmlformats.org/presentationml/2006/main">
+  <p:cSld>
+    <p:spTree>
+      <p:nvGrpSpPr>
+        <p:cNvPr id="1" name=""/>
+        <p:cNvGrpSpPr/>
+        <p:nvPr/>
+      </p:nvGrpSpPr>
+      <p:grpSpPr/>
+      <p:sp>
+        <p:nvSpPr>
+          <p:cNvPr id="2" name="标题 1"/>
+          <p:cNvSpPr>
+            <a:spLocks noGrp="1"/>
+          </p:cNvSpPr>
+          <p:nvPr>
+            <p:ph type="title"/>
+          </p:nvPr>
+        </p:nvSpPr>
+        <p:spPr>
+          <a:xfrm>
+            <a:off x="838200" y="281305"/>
+            <a:ext cx="10515600" cy="1080770"/>
+          </a:xfrm>
+        </p:spPr>
+        <p:txBody>
+          <a:bodyPr/>
+          <a:p>
+            <a:pPr algn="ctr"/>
+            <a:r>
+              <a:rPr lang="zh-CN" sz="4800">
+                <a:latin typeface="仿宋" panose="02010609060101010101" charset="-122"/>
+                <a:ea typeface="仿宋" panose="02010609060101010101" charset="-122"/>
+                <a:sym typeface="+mn-ea"/>
+              </a:rPr>
+              <a:t>前端全栈工程化开发</a:t>
+            </a:r>
+            <a:r>
+              <a:rPr lang="en-US" altLang="zh-CN" sz="4800">
+                <a:latin typeface="仿宋" panose="02010609060101010101" charset="-122"/>
+                <a:ea typeface="仿宋" panose="02010609060101010101" charset="-122"/>
+                <a:sym typeface="+mn-ea"/>
+              </a:rPr>
+              <a:t>VIP</a:t>
+            </a:r>
+            <a:r>
+              <a:rPr lang="zh-CN" altLang="en-US" sz="4800">
+                <a:latin typeface="仿宋" panose="02010609060101010101" charset="-122"/>
+                <a:ea typeface="仿宋" panose="02010609060101010101" charset="-122"/>
+                <a:sym typeface="+mn-ea"/>
+              </a:rPr>
+              <a:t>精品课</a:t>
+            </a:r>
+            <a:br>
+              <a:rPr lang="zh-CN" sz="4000">
+                <a:latin typeface="楷体" panose="02010609060101010101" charset="-122"/>
+                <a:ea typeface="楷体" panose="02010609060101010101" charset="-122"/>
+                <a:sym typeface="+mn-ea"/>
+              </a:rPr>
+            </a:br>
+            <a:br>
+              <a:rPr lang="zh-CN" sz="4000">
+                <a:latin typeface="楷体" panose="02010609060101010101" charset="-122"/>
+                <a:ea typeface="楷体" panose="02010609060101010101" charset="-122"/>
+                <a:sym typeface="+mn-ea"/>
+              </a:rPr>
+            </a:br>
+            <a:endParaRPr lang="en-US" altLang="zh-CN" sz="4000">
+              <a:latin typeface="楷体" panose="02010609060101010101" charset="-122"/>
+              <a:ea typeface="楷体" panose="02010609060101010101" charset="-122"/>
+            </a:endParaRPr>
+          </a:p>
+        </p:txBody>
+      </p:sp>
+      <p:sp>
+        <p:nvSpPr>
+          <p:cNvPr id="3" name="内容占位符 2"/>
+          <p:cNvSpPr>
+            <a:spLocks noGrp="1"/>
+          </p:cNvSpPr>
+          <p:nvPr>
+            <p:ph idx="1"/>
+          </p:nvPr>
+        </p:nvSpPr>
+        <p:spPr>
+          <a:xfrm>
+            <a:off x="443230" y="2065020"/>
+            <a:ext cx="8476615" cy="4604385"/>
+          </a:xfrm>
+        </p:spPr>
+        <p:txBody>
+          <a:bodyPr/>
+          <a:p>
+            <a:r>
+              <a:rPr lang="en-US">
+                <a:latin typeface="仿宋" panose="02010609060101010101" charset="-122"/>
+                <a:ea typeface="仿宋" panose="02010609060101010101" charset="-122"/>
+                <a:sym typeface="+mn-ea"/>
+              </a:rPr>
+              <a:t>CSS3</a:t>
+            </a:r>
+            <a:r>
+              <a:rPr lang="zh-CN" altLang="en-US">
+                <a:latin typeface="仿宋" panose="02010609060101010101" charset="-122"/>
+                <a:ea typeface="仿宋" panose="02010609060101010101" charset="-122"/>
+                <a:sym typeface="+mn-ea"/>
+              </a:rPr>
+              <a:t>中的</a:t>
+            </a:r>
+            <a:r>
+              <a:rPr lang="en-US" altLang="zh-CN">
+                <a:latin typeface="仿宋" panose="02010609060101010101" charset="-122"/>
+                <a:ea typeface="仿宋" panose="02010609060101010101" charset="-122"/>
+                <a:sym typeface="+mn-ea"/>
+              </a:rPr>
+              <a:t>3D</a:t>
+            </a:r>
+            <a:r>
+              <a:rPr lang="zh-CN" altLang="en-US">
+                <a:latin typeface="仿宋" panose="02010609060101010101" charset="-122"/>
+                <a:ea typeface="仿宋" panose="02010609060101010101" charset="-122"/>
+                <a:sym typeface="+mn-ea"/>
+              </a:rPr>
+              <a:t>动画</a:t>
+            </a:r>
+            <a:endParaRPr lang="zh-CN" altLang="en-US">
+              <a:latin typeface="仿宋" panose="02010609060101010101" charset="-122"/>
+              <a:ea typeface="仿宋" panose="02010609060101010101" charset="-122"/>
+            </a:endParaRPr>
+          </a:p>
+          <a:p>
+            <a:pPr marL="0" indent="0" fontAlgn="auto">
+              <a:lnSpc>
+                <a:spcPct val="150000"/>
+              </a:lnSpc>
+              <a:buNone/>
+            </a:pPr>
+            <a:r>
+              <a:rPr lang="zh-CN" altLang="en-US">
+                <a:latin typeface="仿宋" panose="02010609060101010101" charset="-122"/>
+                <a:ea typeface="仿宋" panose="02010609060101010101" charset="-122"/>
+              </a:rPr>
+              <a:t> </a:t>
+            </a:r>
+            <a:r>
+              <a:rPr lang="zh-CN" altLang="en-US" sz="2400">
+                <a:latin typeface="仿宋" panose="02010609060101010101" charset="-122"/>
+                <a:ea typeface="仿宋" panose="02010609060101010101" charset="-122"/>
+              </a:rPr>
+              <a:t> </a:t>
+            </a:r>
+            <a:r>
+              <a:rPr lang="en-US" altLang="zh-CN" sz="2400">
+                <a:latin typeface="仿宋" panose="02010609060101010101" charset="-122"/>
+                <a:ea typeface="仿宋" panose="02010609060101010101" charset="-122"/>
+              </a:rPr>
+              <a:t>- transform</a:t>
+            </a:r>
+            <a:endParaRPr lang="en-US" altLang="zh-CN" sz="2400">
+              <a:latin typeface="仿宋" panose="02010609060101010101" charset="-122"/>
+              <a:ea typeface="仿宋" panose="02010609060101010101" charset="-122"/>
+            </a:endParaRPr>
+          </a:p>
+          <a:p>
+            <a:pPr marL="0" indent="0" fontAlgn="auto">
+              <a:lnSpc>
+                <a:spcPct val="150000"/>
+              </a:lnSpc>
+              <a:buNone/>
+            </a:pPr>
+            <a:r>
+              <a:rPr lang="en-US" altLang="zh-CN" sz="2400">
+                <a:latin typeface="仿宋" panose="02010609060101010101" charset="-122"/>
+                <a:ea typeface="仿宋" panose="02010609060101010101" charset="-122"/>
+              </a:rPr>
+              <a:t>    + </a:t>
+            </a:r>
+            <a:r>
+              <a:rPr lang="en-US" sz="2400">
+                <a:latin typeface="仿宋" panose="02010609060101010101" charset="-122"/>
+                <a:ea typeface="仿宋" panose="02010609060101010101" charset="-122"/>
+              </a:rPr>
+              <a:t>transform-origin</a:t>
+            </a:r>
+            <a:r>
+              <a:rPr lang="zh-CN" altLang="en-US" sz="2400">
+                <a:latin typeface="仿宋" panose="02010609060101010101" charset="-122"/>
+                <a:ea typeface="仿宋" panose="02010609060101010101" charset="-122"/>
+              </a:rPr>
+              <a:t> </a:t>
+            </a:r>
+            <a:r>
+              <a:rPr lang="en-US" altLang="zh-CN" sz="2400">
+                <a:latin typeface="仿宋" panose="02010609060101010101" charset="-122"/>
+                <a:ea typeface="仿宋" panose="02010609060101010101" charset="-122"/>
+              </a:rPr>
+              <a:t>: 设置旋转元素的基点位置</a:t>
+            </a:r>
+            <a:endParaRPr lang="en-US" altLang="zh-CN" sz="2400">
+              <a:latin typeface="仿宋" panose="02010609060101010101" charset="-122"/>
+              <a:ea typeface="仿宋" panose="02010609060101010101" charset="-122"/>
+            </a:endParaRPr>
+          </a:p>
+          <a:p>
+            <a:pPr marL="0" indent="0" fontAlgn="auto">
+              <a:lnSpc>
+                <a:spcPct val="150000"/>
+              </a:lnSpc>
+              <a:buNone/>
+            </a:pPr>
+            <a:r>
+              <a:rPr lang="en-US" altLang="zh-CN" sz="2400">
+                <a:latin typeface="仿宋" panose="02010609060101010101" charset="-122"/>
+                <a:ea typeface="仿宋" panose="02010609060101010101" charset="-122"/>
+              </a:rPr>
+              <a:t>      x-axis : left center right length %  (50%)</a:t>
+            </a:r>
+            <a:endParaRPr lang="en-US" altLang="zh-CN" sz="2400">
+              <a:latin typeface="仿宋" panose="02010609060101010101" charset="-122"/>
+              <a:ea typeface="仿宋" panose="02010609060101010101" charset="-122"/>
+            </a:endParaRPr>
+          </a:p>
+          <a:p>
+            <a:pPr marL="0" indent="0" fontAlgn="auto">
+              <a:lnSpc>
+                <a:spcPct val="150000"/>
+              </a:lnSpc>
+              <a:buNone/>
+            </a:pPr>
+            <a:r>
+              <a:rPr lang="en-US" altLang="zh-CN" sz="2400">
+                <a:latin typeface="仿宋" panose="02010609060101010101" charset="-122"/>
+                <a:ea typeface="仿宋" panose="02010609060101010101" charset="-122"/>
+              </a:rPr>
+              <a:t>      y-axis : top  center bottom length % (50%)</a:t>
+            </a:r>
+            <a:endParaRPr lang="en-US" altLang="zh-CN" sz="2400">
+              <a:latin typeface="仿宋" panose="02010609060101010101" charset="-122"/>
+              <a:ea typeface="仿宋" panose="02010609060101010101" charset="-122"/>
+            </a:endParaRPr>
+          </a:p>
+          <a:p>
+            <a:pPr marL="0" indent="0" fontAlgn="auto">
+              <a:lnSpc>
+                <a:spcPct val="150000"/>
+              </a:lnSpc>
+              <a:buNone/>
+            </a:pPr>
+            <a:r>
+              <a:rPr lang="en-US" altLang="zh-CN" sz="2400">
+                <a:latin typeface="仿宋" panose="02010609060101010101" charset="-122"/>
+                <a:ea typeface="仿宋" panose="02010609060101010101" charset="-122"/>
+              </a:rPr>
+              <a:t>      z-axis : length  (0)</a:t>
+            </a:r>
+            <a:endParaRPr lang="en-US" altLang="zh-CN" sz="2400">
+              <a:latin typeface="仿宋" panose="02010609060101010101" charset="-122"/>
+              <a:ea typeface="仿宋" panose="02010609060101010101" charset="-122"/>
+            </a:endParaRPr>
+          </a:p>
+          <a:p>
+            <a:pPr marL="0" indent="0" fontAlgn="auto">
+              <a:lnSpc>
+                <a:spcPct val="150000"/>
+              </a:lnSpc>
+              <a:buNone/>
+            </a:pPr>
+            <a:r>
+              <a:rPr lang="en-US" altLang="zh-CN" sz="2400">
+                <a:latin typeface="仿宋" panose="02010609060101010101" charset="-122"/>
+                <a:ea typeface="仿宋" panose="02010609060101010101" charset="-122"/>
+              </a:rPr>
+              <a:t>    + </a:t>
+            </a:r>
+            <a:r>
+              <a:rPr lang="zh-CN" altLang="en-US" sz="2400">
+                <a:latin typeface="仿宋" panose="02010609060101010101" charset="-122"/>
+                <a:ea typeface="仿宋" panose="02010609060101010101" charset="-122"/>
+              </a:rPr>
+              <a:t>实现钟摆效果</a:t>
+            </a:r>
+            <a:r>
+              <a:rPr lang="en-US" altLang="zh-CN" sz="2400">
+                <a:latin typeface="仿宋" panose="02010609060101010101" charset="-122"/>
+                <a:ea typeface="仿宋" panose="02010609060101010101" charset="-122"/>
+              </a:rPr>
+              <a:t>  </a:t>
+            </a:r>
+            <a:endParaRPr lang="en-US" altLang="zh-CN" sz="2400">
+              <a:latin typeface="仿宋" panose="02010609060101010101" charset="-122"/>
+              <a:ea typeface="仿宋" panose="02010609060101010101" charset="-122"/>
+            </a:endParaRPr>
+          </a:p>
+          <a:p>
+            <a:pPr marL="0" indent="0" fontAlgn="auto">
+              <a:lnSpc>
+                <a:spcPct val="150000"/>
+              </a:lnSpc>
+              <a:buNone/>
+            </a:pPr>
+            <a:r>
+              <a:rPr lang="zh-CN" altLang="en-US" sz="2400">
+                <a:latin typeface="仿宋" panose="02010609060101010101" charset="-122"/>
+                <a:ea typeface="仿宋" panose="02010609060101010101" charset="-122"/>
+              </a:rPr>
+              <a:t>      </a:t>
+            </a:r>
+            <a:endParaRPr lang="zh-CN" altLang="en-US" sz="2400">
+              <a:latin typeface="Adobe 仿宋 Std R" panose="02020400000000000000" charset="-122"/>
+              <a:ea typeface="Adobe 仿宋 Std R" panose="02020400000000000000" charset="-122"/>
+            </a:endParaRPr>
+          </a:p>
+        </p:txBody>
+      </p:sp>
+      <p:sp>
+        <p:nvSpPr>
+          <p:cNvPr id="4" name="文本框 3"/>
+          <p:cNvSpPr txBox="1"/>
+          <p:nvPr/>
+        </p:nvSpPr>
+        <p:spPr>
+          <a:xfrm>
+            <a:off x="3718560" y="1151890"/>
+            <a:ext cx="4754880" cy="1198880"/>
+          </a:xfrm>
+          <a:prstGeom prst="rect">
+            <a:avLst/>
+          </a:prstGeom>
+          <a:noFill/>
+        </p:spPr>
+        <p:txBody>
+          <a:bodyPr wrap="none" rtlCol="0">
+            <a:spAutoFit/>
+          </a:bodyPr>
+          <a:p>
+            <a:pPr algn="l"/>
+            <a:r>
+              <a:rPr lang="en-US" altLang="zh-CN" sz="3600">
+                <a:latin typeface="仿宋" panose="02010609060101010101" charset="-122"/>
+                <a:ea typeface="仿宋" panose="02010609060101010101" charset="-122"/>
+                <a:sym typeface="+mn-ea"/>
+              </a:rPr>
+              <a:t>[</a:t>
+            </a:r>
+            <a:r>
+              <a:rPr lang="zh-CN" altLang="en-US" sz="3600">
+                <a:latin typeface="仿宋" panose="02010609060101010101" charset="-122"/>
+                <a:ea typeface="仿宋" panose="02010609060101010101" charset="-122"/>
+                <a:sym typeface="+mn-ea"/>
+              </a:rPr>
+              <a:t>八年专注、有口皆碑</a:t>
+            </a:r>
+            <a:r>
+              <a:rPr lang="en-US" altLang="zh-CN" sz="3600">
+                <a:latin typeface="仿宋" panose="02010609060101010101" charset="-122"/>
+                <a:ea typeface="仿宋" panose="02010609060101010101" charset="-122"/>
+                <a:sym typeface="+mn-ea"/>
+              </a:rPr>
+              <a:t>]</a:t>
+            </a:r>
+            <a:endParaRPr lang="en-US" altLang="zh-CN" sz="3600">
+              <a:latin typeface="仿宋" panose="02010609060101010101" charset="-122"/>
+              <a:ea typeface="仿宋" panose="02010609060101010101" charset="-122"/>
+            </a:endParaRPr>
+          </a:p>
+          <a:p>
+            <a:endParaRPr lang="zh-CN" altLang="en-US" sz="3600"/>
+          </a:p>
+        </p:txBody>
+      </p:sp>
+      <p:pic>
+        <p:nvPicPr>
+          <p:cNvPr id="6" name="图片 5"/>
+          <p:cNvPicPr>
+            <a:picLocks noChangeAspect="1"/>
+          </p:cNvPicPr>
+          <p:nvPr/>
+        </p:nvPicPr>
+        <p:blipFill>
+          <a:blip r:embed="rId1"/>
+          <a:stretch>
+            <a:fillRect/>
+          </a:stretch>
+        </p:blipFill>
+        <p:spPr>
+          <a:xfrm>
+            <a:off x="9393555" y="2061210"/>
+            <a:ext cx="2499360" cy="2735580"/>
+          </a:xfrm>
+          <a:prstGeom prst="rect">
+            <a:avLst/>
+          </a:prstGeom>
+        </p:spPr>
+      </p:pic>
+    </p:spTree>
+  </p:cSld>
+  <p:clrMapOvr>
+    <a:masterClrMapping/>
+  </p:clrMapOvr>
+</p:sld>
+</file>
+
+<file path=ppt/slides/slide5.xml><?xml version="1.0" encoding="utf-8"?>
+<p:sld xmlns:a="http://schemas.openxmlformats.org/drawingml/2006/main" xmlns:r="http://schemas.openxmlformats.org/officeDocument/2006/relationships" xmlns:p="http://schemas.openxmlformats.org/presentationml/2006/main">
+  <p:cSld>
+    <p:spTree>
+      <p:nvGrpSpPr>
+        <p:cNvPr id="1" name=""/>
+        <p:cNvGrpSpPr/>
+        <p:nvPr/>
+      </p:nvGrpSpPr>
+      <p:grpSpPr/>
+      <p:sp>
+        <p:nvSpPr>
+          <p:cNvPr id="2" name="标题 1"/>
+          <p:cNvSpPr>
+            <a:spLocks noGrp="1"/>
+          </p:cNvSpPr>
+          <p:nvPr>
+            <p:ph type="title"/>
+          </p:nvPr>
+        </p:nvSpPr>
+        <p:spPr>
+          <a:xfrm>
+            <a:off x="838200" y="281305"/>
+            <a:ext cx="10515600" cy="1080770"/>
+          </a:xfrm>
+        </p:spPr>
+        <p:txBody>
+          <a:bodyPr/>
+          <a:p>
+            <a:pPr algn="ctr"/>
+            <a:r>
+              <a:rPr lang="zh-CN" sz="4800">
+                <a:latin typeface="仿宋" panose="02010609060101010101" charset="-122"/>
+                <a:ea typeface="仿宋" panose="02010609060101010101" charset="-122"/>
+                <a:sym typeface="+mn-ea"/>
+              </a:rPr>
+              <a:t>前端全栈工程化开发</a:t>
+            </a:r>
+            <a:r>
+              <a:rPr lang="en-US" altLang="zh-CN" sz="4800">
+                <a:latin typeface="仿宋" panose="02010609060101010101" charset="-122"/>
+                <a:ea typeface="仿宋" panose="02010609060101010101" charset="-122"/>
+                <a:sym typeface="+mn-ea"/>
+              </a:rPr>
+              <a:t>VIP</a:t>
+            </a:r>
+            <a:r>
+              <a:rPr lang="zh-CN" altLang="en-US" sz="4800">
+                <a:latin typeface="仿宋" panose="02010609060101010101" charset="-122"/>
+                <a:ea typeface="仿宋" panose="02010609060101010101" charset="-122"/>
+                <a:sym typeface="+mn-ea"/>
+              </a:rPr>
+              <a:t>精品课</a:t>
+            </a:r>
+            <a:br>
+              <a:rPr lang="zh-CN" sz="4000">
+                <a:latin typeface="楷体" panose="02010609060101010101" charset="-122"/>
+                <a:ea typeface="楷体" panose="02010609060101010101" charset="-122"/>
+                <a:sym typeface="+mn-ea"/>
+              </a:rPr>
+            </a:br>
+            <a:br>
+              <a:rPr lang="zh-CN" sz="4000">
+                <a:latin typeface="楷体" panose="02010609060101010101" charset="-122"/>
+                <a:ea typeface="楷体" panose="02010609060101010101" charset="-122"/>
+                <a:sym typeface="+mn-ea"/>
+              </a:rPr>
+            </a:br>
+            <a:endParaRPr lang="en-US" altLang="zh-CN" sz="4000">
+              <a:latin typeface="楷体" panose="02010609060101010101" charset="-122"/>
+              <a:ea typeface="楷体" panose="02010609060101010101" charset="-122"/>
+            </a:endParaRPr>
+          </a:p>
+        </p:txBody>
+      </p:sp>
+      <p:sp>
+        <p:nvSpPr>
+          <p:cNvPr id="3" name="内容占位符 2"/>
+          <p:cNvSpPr>
+            <a:spLocks noGrp="1"/>
+          </p:cNvSpPr>
+          <p:nvPr>
+            <p:ph idx="1"/>
+          </p:nvPr>
+        </p:nvSpPr>
+        <p:spPr>
+          <a:xfrm>
+            <a:off x="443230" y="2065020"/>
+            <a:ext cx="8476615" cy="4604385"/>
+          </a:xfrm>
+        </p:spPr>
+        <p:txBody>
+          <a:bodyPr/>
+          <a:p>
+            <a:r>
+              <a:rPr lang="en-US">
+                <a:latin typeface="仿宋" panose="02010609060101010101" charset="-122"/>
+                <a:ea typeface="仿宋" panose="02010609060101010101" charset="-122"/>
+                <a:sym typeface="+mn-ea"/>
+              </a:rPr>
+              <a:t>CSS3</a:t>
+            </a:r>
+            <a:r>
+              <a:rPr lang="zh-CN" altLang="en-US">
+                <a:latin typeface="仿宋" panose="02010609060101010101" charset="-122"/>
+                <a:ea typeface="仿宋" panose="02010609060101010101" charset="-122"/>
+                <a:sym typeface="+mn-ea"/>
+              </a:rPr>
+              <a:t>中的</a:t>
+            </a:r>
+            <a:r>
+              <a:rPr lang="en-US" altLang="zh-CN">
+                <a:latin typeface="仿宋" panose="02010609060101010101" charset="-122"/>
+                <a:ea typeface="仿宋" panose="02010609060101010101" charset="-122"/>
+                <a:sym typeface="+mn-ea"/>
+              </a:rPr>
+              <a:t>3D</a:t>
+            </a:r>
+            <a:r>
+              <a:rPr lang="zh-CN" altLang="en-US">
+                <a:latin typeface="仿宋" panose="02010609060101010101" charset="-122"/>
+                <a:ea typeface="仿宋" panose="02010609060101010101" charset="-122"/>
+                <a:sym typeface="+mn-ea"/>
+              </a:rPr>
+              <a:t>动画</a:t>
+            </a:r>
+            <a:endParaRPr lang="zh-CN" altLang="en-US">
+              <a:latin typeface="仿宋" panose="02010609060101010101" charset="-122"/>
+              <a:ea typeface="仿宋" panose="02010609060101010101" charset="-122"/>
+            </a:endParaRPr>
+          </a:p>
+          <a:p>
+            <a:pPr marL="0" indent="0" fontAlgn="auto">
+              <a:lnSpc>
+                <a:spcPct val="150000"/>
+              </a:lnSpc>
+              <a:buNone/>
+            </a:pPr>
+            <a:r>
+              <a:rPr lang="zh-CN" altLang="en-US">
+                <a:latin typeface="仿宋" panose="02010609060101010101" charset="-122"/>
+                <a:ea typeface="仿宋" panose="02010609060101010101" charset="-122"/>
+              </a:rPr>
+              <a:t> </a:t>
+            </a:r>
+            <a:r>
+              <a:rPr lang="zh-CN" altLang="en-US" sz="2400">
+                <a:latin typeface="仿宋" panose="02010609060101010101" charset="-122"/>
+                <a:ea typeface="仿宋" panose="02010609060101010101" charset="-122"/>
+              </a:rPr>
+              <a:t> </a:t>
+            </a:r>
+            <a:r>
+              <a:rPr lang="en-US" altLang="zh-CN" sz="2400">
+                <a:latin typeface="仿宋" panose="02010609060101010101" charset="-122"/>
+                <a:ea typeface="仿宋" panose="02010609060101010101" charset="-122"/>
+              </a:rPr>
+              <a:t>- perspective : 定义3D元素距视图的距离</a:t>
+            </a:r>
+            <a:endParaRPr lang="en-US" altLang="zh-CN" sz="2400">
+              <a:latin typeface="仿宋" panose="02010609060101010101" charset="-122"/>
+              <a:ea typeface="仿宋" panose="02010609060101010101" charset="-122"/>
+            </a:endParaRPr>
+          </a:p>
+          <a:p>
+            <a:pPr marL="0" indent="0" fontAlgn="auto">
+              <a:lnSpc>
+                <a:spcPct val="150000"/>
+              </a:lnSpc>
+              <a:buNone/>
+            </a:pPr>
+            <a:r>
+              <a:rPr lang="en-US" altLang="zh-CN" sz="2400">
+                <a:latin typeface="仿宋" panose="02010609060101010101" charset="-122"/>
+                <a:ea typeface="仿宋" panose="02010609060101010101" charset="-122"/>
+              </a:rPr>
+              <a:t>    + none </a:t>
+            </a:r>
+            <a:r>
+              <a:rPr lang="zh-CN" altLang="en-US" sz="2400">
+                <a:latin typeface="仿宋" panose="02010609060101010101" charset="-122"/>
+                <a:ea typeface="仿宋" panose="02010609060101010101" charset="-122"/>
+              </a:rPr>
+              <a:t>默认值，与设置零相同，不设置透视</a:t>
+            </a:r>
+            <a:endParaRPr lang="zh-CN" altLang="en-US" sz="2400">
+              <a:latin typeface="仿宋" panose="02010609060101010101" charset="-122"/>
+              <a:ea typeface="仿宋" panose="02010609060101010101" charset="-122"/>
+            </a:endParaRPr>
+          </a:p>
+          <a:p>
+            <a:pPr marL="0" indent="0" fontAlgn="auto">
+              <a:lnSpc>
+                <a:spcPct val="150000"/>
+              </a:lnSpc>
+              <a:buNone/>
+            </a:pPr>
+            <a:r>
+              <a:rPr lang="zh-CN" altLang="en-US" sz="2400">
+                <a:latin typeface="仿宋" panose="02010609060101010101" charset="-122"/>
+                <a:ea typeface="仿宋" panose="02010609060101010101" charset="-122"/>
+              </a:rPr>
+              <a:t>    </a:t>
+            </a:r>
+            <a:r>
+              <a:rPr lang="en-US" altLang="zh-CN" sz="2400">
+                <a:latin typeface="仿宋" panose="02010609060101010101" charset="-122"/>
+                <a:ea typeface="仿宋" panose="02010609060101010101" charset="-122"/>
+              </a:rPr>
+              <a:t>+ number </a:t>
+            </a:r>
+            <a:r>
+              <a:rPr lang="zh-CN" altLang="en-US" sz="2400">
+                <a:latin typeface="仿宋" panose="02010609060101010101" charset="-122"/>
+                <a:ea typeface="仿宋" panose="02010609060101010101" charset="-122"/>
+              </a:rPr>
+              <a:t>设置的具体值</a:t>
+            </a:r>
+            <a:r>
+              <a:rPr lang="en-US" altLang="zh-CN" sz="2400">
+                <a:latin typeface="仿宋" panose="02010609060101010101" charset="-122"/>
+                <a:ea typeface="仿宋" panose="02010609060101010101" charset="-122"/>
+              </a:rPr>
+              <a:t>(</a:t>
+            </a:r>
+            <a:r>
+              <a:rPr lang="zh-CN" altLang="en-US" sz="2400">
+                <a:latin typeface="仿宋" panose="02010609060101010101" charset="-122"/>
+                <a:ea typeface="仿宋" panose="02010609060101010101" charset="-122"/>
+              </a:rPr>
+              <a:t>单位</a:t>
+            </a:r>
+            <a:r>
+              <a:rPr lang="en-US" altLang="zh-CN" sz="2400">
+                <a:latin typeface="仿宋" panose="02010609060101010101" charset="-122"/>
+                <a:ea typeface="仿宋" panose="02010609060101010101" charset="-122"/>
+              </a:rPr>
+              <a:t>px</a:t>
+            </a:r>
+            <a:r>
+              <a:rPr lang="en-US" altLang="zh-CN" sz="2400">
+                <a:latin typeface="仿宋" panose="02010609060101010101" charset="-122"/>
+                <a:ea typeface="仿宋" panose="02010609060101010101" charset="-122"/>
+              </a:rPr>
+              <a:t>)</a:t>
+            </a:r>
+            <a:endParaRPr lang="en-US" altLang="zh-CN" sz="2400">
+              <a:latin typeface="仿宋" panose="02010609060101010101" charset="-122"/>
+              <a:ea typeface="仿宋" panose="02010609060101010101" charset="-122"/>
+            </a:endParaRPr>
+          </a:p>
+          <a:p>
+            <a:pPr marL="0" indent="0" fontAlgn="auto">
+              <a:lnSpc>
+                <a:spcPct val="150000"/>
+              </a:lnSpc>
+              <a:buNone/>
+            </a:pPr>
+            <a:r>
+              <a:rPr lang="en-US" altLang="zh-CN" sz="2400">
+                <a:latin typeface="仿宋" panose="02010609060101010101" charset="-122"/>
+                <a:ea typeface="仿宋" panose="02010609060101010101" charset="-122"/>
+              </a:rPr>
+              <a:t>  - </a:t>
+            </a:r>
+            <a:r>
+              <a:rPr lang="zh-CN" altLang="en-US" sz="2400">
+                <a:latin typeface="仿宋" panose="02010609060101010101" charset="-122"/>
+                <a:ea typeface="仿宋" panose="02010609060101010101" charset="-122"/>
+              </a:rPr>
+              <a:t>认知</a:t>
+            </a:r>
+            <a:r>
+              <a:rPr lang="en-US" altLang="zh-CN" sz="2400">
+                <a:latin typeface="仿宋" panose="02010609060101010101" charset="-122"/>
+                <a:ea typeface="仿宋" panose="02010609060101010101" charset="-122"/>
+              </a:rPr>
+              <a:t>3D</a:t>
+            </a:r>
+            <a:r>
+              <a:rPr lang="zh-CN" altLang="en-US" sz="2400">
+                <a:latin typeface="仿宋" panose="02010609060101010101" charset="-122"/>
+                <a:ea typeface="仿宋" panose="02010609060101010101" charset="-122"/>
+              </a:rPr>
+              <a:t>空间轴 和 </a:t>
+            </a:r>
+            <a:r>
+              <a:rPr lang="en-US" altLang="zh-CN" sz="2400">
+                <a:latin typeface="仿宋" panose="02010609060101010101" charset="-122"/>
+                <a:ea typeface="仿宋" panose="02010609060101010101" charset="-122"/>
+                <a:sym typeface="+mn-ea"/>
+              </a:rPr>
+              <a:t>3D</a:t>
+            </a:r>
+            <a:r>
+              <a:rPr lang="zh-CN" altLang="en-US" sz="2400">
+                <a:latin typeface="仿宋" panose="02010609060101010101" charset="-122"/>
+                <a:ea typeface="仿宋" panose="02010609060101010101" charset="-122"/>
+                <a:sym typeface="+mn-ea"/>
+              </a:rPr>
+              <a:t>变形效果</a:t>
+            </a:r>
+            <a:endParaRPr lang="zh-CN" altLang="en-US" sz="2400">
+              <a:latin typeface="仿宋" panose="02010609060101010101" charset="-122"/>
+              <a:ea typeface="仿宋" panose="02010609060101010101" charset="-122"/>
+            </a:endParaRPr>
+          </a:p>
+          <a:p>
+            <a:pPr marL="0" indent="0" fontAlgn="auto">
+              <a:lnSpc>
+                <a:spcPct val="150000"/>
+              </a:lnSpc>
+              <a:buNone/>
+            </a:pPr>
+            <a:r>
+              <a:rPr lang="zh-CN" altLang="en-US" sz="2400">
+                <a:latin typeface="仿宋" panose="02010609060101010101" charset="-122"/>
+                <a:ea typeface="仿宋" panose="02010609060101010101" charset="-122"/>
+              </a:rPr>
+              <a:t>    </a:t>
+            </a:r>
+            <a:r>
+              <a:rPr lang="en-US" altLang="zh-CN" sz="2400">
+                <a:latin typeface="仿宋" panose="02010609060101010101" charset="-122"/>
+                <a:ea typeface="仿宋" panose="02010609060101010101" charset="-122"/>
+              </a:rPr>
+              <a:t>translate(X|Y|Z)  rotate(X|Y|Z) ...</a:t>
+            </a:r>
+            <a:endParaRPr lang="zh-CN" altLang="en-US" sz="2400">
+              <a:latin typeface="仿宋" panose="02010609060101010101" charset="-122"/>
+              <a:ea typeface="仿宋" panose="02010609060101010101" charset="-122"/>
+            </a:endParaRPr>
+          </a:p>
+        </p:txBody>
+      </p:sp>
+      <p:sp>
+        <p:nvSpPr>
+          <p:cNvPr id="4" name="文本框 3"/>
+          <p:cNvSpPr txBox="1"/>
+          <p:nvPr/>
+        </p:nvSpPr>
+        <p:spPr>
+          <a:xfrm>
+            <a:off x="3718560" y="1151890"/>
+            <a:ext cx="4754880" cy="1198880"/>
+          </a:xfrm>
+          <a:prstGeom prst="rect">
+            <a:avLst/>
+          </a:prstGeom>
+          <a:noFill/>
+        </p:spPr>
+        <p:txBody>
+          <a:bodyPr wrap="none" rtlCol="0">
+            <a:spAutoFit/>
+          </a:bodyPr>
+          <a:p>
+            <a:pPr algn="l"/>
+            <a:r>
+              <a:rPr lang="en-US" altLang="zh-CN" sz="3600">
+                <a:latin typeface="仿宋" panose="02010609060101010101" charset="-122"/>
+                <a:ea typeface="仿宋" panose="02010609060101010101" charset="-122"/>
+                <a:sym typeface="+mn-ea"/>
+              </a:rPr>
+              <a:t>[</a:t>
+            </a:r>
+            <a:r>
+              <a:rPr lang="zh-CN" altLang="en-US" sz="3600">
+                <a:latin typeface="仿宋" panose="02010609060101010101" charset="-122"/>
+                <a:ea typeface="仿宋" panose="02010609060101010101" charset="-122"/>
+                <a:sym typeface="+mn-ea"/>
+              </a:rPr>
+              <a:t>八年专注、有口皆碑</a:t>
+            </a:r>
+            <a:r>
+              <a:rPr lang="en-US" altLang="zh-CN" sz="3600">
+                <a:latin typeface="仿宋" panose="02010609060101010101" charset="-122"/>
+                <a:ea typeface="仿宋" panose="02010609060101010101" charset="-122"/>
+                <a:sym typeface="+mn-ea"/>
+              </a:rPr>
+              <a:t>]</a:t>
+            </a:r>
+            <a:endParaRPr lang="en-US" altLang="zh-CN" sz="3600">
+              <a:latin typeface="仿宋" panose="02010609060101010101" charset="-122"/>
+              <a:ea typeface="仿宋" panose="02010609060101010101" charset="-122"/>
+            </a:endParaRPr>
+          </a:p>
+          <a:p>
+            <a:endParaRPr lang="zh-CN" altLang="en-US" sz="3600"/>
+          </a:p>
+        </p:txBody>
+      </p:sp>
+      <p:pic>
+        <p:nvPicPr>
+          <p:cNvPr id="6" name="图片 5"/>
+          <p:cNvPicPr>
+            <a:picLocks noChangeAspect="1"/>
+          </p:cNvPicPr>
+          <p:nvPr/>
+        </p:nvPicPr>
+        <p:blipFill>
+          <a:blip r:embed="rId1"/>
+          <a:stretch>
+            <a:fillRect/>
+          </a:stretch>
+        </p:blipFill>
+        <p:spPr>
+          <a:xfrm>
+            <a:off x="9393555" y="2061210"/>
+            <a:ext cx="2499360" cy="2735580"/>
           </a:xfrm>
           <a:prstGeom prst="rect">
             <a:avLst/>
